--- a/EE413pp_time_d/EE413pp_time_d.pptx
+++ b/EE413pp_time_d/EE413pp_time_d.pptx
@@ -119,6 +119,55 @@
 </p:presentation>
 </file>
 
+<file path=ppt/changesInfos/changesInfo1.xml><?xml version="1.0" encoding="utf-8"?>
+<pc:chgInfo xmlns:a="http://schemas.openxmlformats.org/drawingml/2006/main" xmlns:r="http://schemas.openxmlformats.org/officeDocument/2006/relationships" xmlns:ac="http://schemas.microsoft.com/office/drawing/2013/main/command" xmlns:pc="http://schemas.microsoft.com/office/powerpoint/2013/main/command">
+  <pc:docChgLst>
+    <pc:chgData name="TAREK AKRAM ALHOURI" userId="4f0f11e5-b22e-48f1-83e7-cdd812e0f462" providerId="ADAL" clId="{30EB7B6C-FCD8-4479-82F1-20FE31375052}"/>
+    <pc:docChg chg="undo addSld delSld modSld">
+      <pc:chgData name="TAREK AKRAM ALHOURI" userId="4f0f11e5-b22e-48f1-83e7-cdd812e0f462" providerId="ADAL" clId="{30EB7B6C-FCD8-4479-82F1-20FE31375052}" dt="2025-04-19T21:24:00.464" v="2" actId="27028"/>
+      <pc:docMkLst>
+        <pc:docMk/>
+      </pc:docMkLst>
+      <pc:sldChg chg="add del">
+        <pc:chgData name="TAREK AKRAM ALHOURI" userId="4f0f11e5-b22e-48f1-83e7-cdd812e0f462" providerId="ADAL" clId="{30EB7B6C-FCD8-4479-82F1-20FE31375052}" dt="2025-04-19T21:24:00.464" v="2" actId="27028"/>
+        <pc:sldMkLst>
+          <pc:docMk/>
+          <pc:sldMk cId="1241324787" sldId="261"/>
+        </pc:sldMkLst>
+      </pc:sldChg>
+      <pc:sldChg chg="add del">
+        <pc:chgData name="TAREK AKRAM ALHOURI" userId="4f0f11e5-b22e-48f1-83e7-cdd812e0f462" providerId="ADAL" clId="{30EB7B6C-FCD8-4479-82F1-20FE31375052}" dt="2025-04-19T21:24:00.464" v="2" actId="27028"/>
+        <pc:sldMkLst>
+          <pc:docMk/>
+          <pc:sldMk cId="3442988034" sldId="262"/>
+        </pc:sldMkLst>
+      </pc:sldChg>
+      <pc:sldChg chg="add del">
+        <pc:chgData name="TAREK AKRAM ALHOURI" userId="4f0f11e5-b22e-48f1-83e7-cdd812e0f462" providerId="ADAL" clId="{30EB7B6C-FCD8-4479-82F1-20FE31375052}" dt="2025-04-19T21:24:00.464" v="2" actId="27028"/>
+        <pc:sldMkLst>
+          <pc:docMk/>
+          <pc:sldMk cId="310032541" sldId="263"/>
+        </pc:sldMkLst>
+      </pc:sldChg>
+      <pc:sldChg chg="add del">
+        <pc:chgData name="TAREK AKRAM ALHOURI" userId="4f0f11e5-b22e-48f1-83e7-cdd812e0f462" providerId="ADAL" clId="{30EB7B6C-FCD8-4479-82F1-20FE31375052}" dt="2025-04-19T21:24:00.464" v="2" actId="27028"/>
+        <pc:sldMkLst>
+          <pc:docMk/>
+          <pc:sldMk cId="1042553279" sldId="264"/>
+        </pc:sldMkLst>
+      </pc:sldChg>
+      <pc:sldChg chg="add del">
+        <pc:chgData name="TAREK AKRAM ALHOURI" userId="4f0f11e5-b22e-48f1-83e7-cdd812e0f462" providerId="ADAL" clId="{30EB7B6C-FCD8-4479-82F1-20FE31375052}" dt="2025-04-19T21:24:00.464" v="2" actId="27028"/>
+        <pc:sldMkLst>
+          <pc:docMk/>
+          <pc:sldMk cId="4055735443" sldId="265"/>
+        </pc:sldMkLst>
+      </pc:sldChg>
+    </pc:docChg>
+  </pc:docChgLst>
+</pc:chgInfo>
+</file>
+
 <file path=ppt/notesMasters/notesMaster1.xml><?xml version="1.0" encoding="utf-8"?>
 <p:notesMaster xmlns:a="http://schemas.openxmlformats.org/drawingml/2006/main" xmlns:r="http://schemas.openxmlformats.org/officeDocument/2006/relationships" xmlns:p="http://schemas.openxmlformats.org/presentationml/2006/main">
   <p:cSld>
@@ -201,7 +250,7 @@
           <a:p>
             <a:fld id="{D89E4E7F-5281-4F06-829A-49F35421E1C2}" type="datetimeFigureOut">
               <a:rPr lang="en-GB" smtClean="0"/>
-              <a:t>18/04/2025</a:t>
+              <a:t>20/04/2025</a:t>
             </a:fld>
             <a:endParaRPr lang="en-GB"/>
           </a:p>
@@ -1036,7 +1085,7 @@
           <a:p>
             <a:fld id="{029B877B-9A76-4193-BC70-2CE74C2CD3FA}" type="datetimeFigureOut">
               <a:rPr lang="en-US" smtClean="0"/>
-              <a:t>4/18/2025</a:t>
+              <a:t>4/20/2025</a:t>
             </a:fld>
             <a:endParaRPr lang="en-US"/>
           </a:p>
@@ -1234,7 +1283,7 @@
           <a:p>
             <a:fld id="{029B877B-9A76-4193-BC70-2CE74C2CD3FA}" type="datetimeFigureOut">
               <a:rPr lang="en-US" smtClean="0"/>
-              <a:t>4/18/2025</a:t>
+              <a:t>4/20/2025</a:t>
             </a:fld>
             <a:endParaRPr lang="en-US"/>
           </a:p>
@@ -1442,7 +1491,7 @@
           <a:p>
             <a:fld id="{029B877B-9A76-4193-BC70-2CE74C2CD3FA}" type="datetimeFigureOut">
               <a:rPr lang="en-US" smtClean="0"/>
-              <a:t>4/18/2025</a:t>
+              <a:t>4/20/2025</a:t>
             </a:fld>
             <a:endParaRPr lang="en-US"/>
           </a:p>
@@ -1640,7 +1689,7 @@
           <a:p>
             <a:fld id="{029B877B-9A76-4193-BC70-2CE74C2CD3FA}" type="datetimeFigureOut">
               <a:rPr lang="en-US" smtClean="0"/>
-              <a:t>4/18/2025</a:t>
+              <a:t>4/20/2025</a:t>
             </a:fld>
             <a:endParaRPr lang="en-US"/>
           </a:p>
@@ -1915,7 +1964,7 @@
           <a:p>
             <a:fld id="{029B877B-9A76-4193-BC70-2CE74C2CD3FA}" type="datetimeFigureOut">
               <a:rPr lang="en-US" smtClean="0"/>
-              <a:t>4/18/2025</a:t>
+              <a:t>4/20/2025</a:t>
             </a:fld>
             <a:endParaRPr lang="en-US"/>
           </a:p>
@@ -2180,7 +2229,7 @@
           <a:p>
             <a:fld id="{029B877B-9A76-4193-BC70-2CE74C2CD3FA}" type="datetimeFigureOut">
               <a:rPr lang="en-US" smtClean="0"/>
-              <a:t>4/18/2025</a:t>
+              <a:t>4/20/2025</a:t>
             </a:fld>
             <a:endParaRPr lang="en-US"/>
           </a:p>
@@ -2592,7 +2641,7 @@
           <a:p>
             <a:fld id="{029B877B-9A76-4193-BC70-2CE74C2CD3FA}" type="datetimeFigureOut">
               <a:rPr lang="en-US" smtClean="0"/>
-              <a:t>4/18/2025</a:t>
+              <a:t>4/20/2025</a:t>
             </a:fld>
             <a:endParaRPr lang="en-US"/>
           </a:p>
@@ -2733,7 +2782,7 @@
           <a:p>
             <a:fld id="{029B877B-9A76-4193-BC70-2CE74C2CD3FA}" type="datetimeFigureOut">
               <a:rPr lang="en-US" smtClean="0"/>
-              <a:t>4/18/2025</a:t>
+              <a:t>4/20/2025</a:t>
             </a:fld>
             <a:endParaRPr lang="en-US"/>
           </a:p>
@@ -2846,7 +2895,7 @@
           <a:p>
             <a:fld id="{029B877B-9A76-4193-BC70-2CE74C2CD3FA}" type="datetimeFigureOut">
               <a:rPr lang="en-US" smtClean="0"/>
-              <a:t>4/18/2025</a:t>
+              <a:t>4/20/2025</a:t>
             </a:fld>
             <a:endParaRPr lang="en-US"/>
           </a:p>
@@ -3157,7 +3206,7 @@
           <a:p>
             <a:fld id="{029B877B-9A76-4193-BC70-2CE74C2CD3FA}" type="datetimeFigureOut">
               <a:rPr lang="en-US" smtClean="0"/>
-              <a:t>4/18/2025</a:t>
+              <a:t>4/20/2025</a:t>
             </a:fld>
             <a:endParaRPr lang="en-US"/>
           </a:p>
@@ -3445,7 +3494,7 @@
           <a:p>
             <a:fld id="{029B877B-9A76-4193-BC70-2CE74C2CD3FA}" type="datetimeFigureOut">
               <a:rPr lang="en-US" smtClean="0"/>
-              <a:t>4/18/2025</a:t>
+              <a:t>4/20/2025</a:t>
             </a:fld>
             <a:endParaRPr lang="en-US"/>
           </a:p>
@@ -3686,7 +3735,7 @@
           <a:p>
             <a:fld id="{029B877B-9A76-4193-BC70-2CE74C2CD3FA}" type="datetimeFigureOut">
               <a:rPr lang="en-US" smtClean="0"/>
-              <a:t>4/18/2025</a:t>
+              <a:t>4/20/2025</a:t>
             </a:fld>
             <a:endParaRPr lang="en-US"/>
           </a:p>
